--- a/assets/tactile_image_files/0076-soil_horizons/0076-soil_horizons.pptx
+++ b/assets/tactile_image_files/0076-soil_horizons/0076-soil_horizons.pptx
@@ -253,7 +253,7 @@
           <a:p>
             <a:fld id="{E796F801-3BB8-A247-923B-F07F1B58D38A}" type="datetimeFigureOut">
               <a:rPr lang="en-US" smtClean="0"/>
-              <a:t>7/24/20</a:t>
+              <a:t>6/17/21</a:t>
             </a:fld>
             <a:endParaRPr lang="en-US"/>
           </a:p>
@@ -433,7 +433,7 @@
           <a:p>
             <a:fld id="{E796F801-3BB8-A247-923B-F07F1B58D38A}" type="datetimeFigureOut">
               <a:rPr lang="en-US" smtClean="0"/>
-              <a:t>7/24/20</a:t>
+              <a:t>6/17/21</a:t>
             </a:fld>
             <a:endParaRPr lang="en-US"/>
           </a:p>
@@ -603,7 +603,7 @@
           <a:p>
             <a:fld id="{E796F801-3BB8-A247-923B-F07F1B58D38A}" type="datetimeFigureOut">
               <a:rPr lang="en-US" smtClean="0"/>
-              <a:t>7/24/20</a:t>
+              <a:t>6/17/21</a:t>
             </a:fld>
             <a:endParaRPr lang="en-US"/>
           </a:p>
@@ -847,7 +847,7 @@
           <a:p>
             <a:fld id="{E796F801-3BB8-A247-923B-F07F1B58D38A}" type="datetimeFigureOut">
               <a:rPr lang="en-US" smtClean="0"/>
-              <a:t>7/24/20</a:t>
+              <a:t>6/17/21</a:t>
             </a:fld>
             <a:endParaRPr lang="en-US"/>
           </a:p>
@@ -1079,7 +1079,7 @@
           <a:p>
             <a:fld id="{E796F801-3BB8-A247-923B-F07F1B58D38A}" type="datetimeFigureOut">
               <a:rPr lang="en-US" smtClean="0"/>
-              <a:t>7/24/20</a:t>
+              <a:t>6/17/21</a:t>
             </a:fld>
             <a:endParaRPr lang="en-US"/>
           </a:p>
@@ -1446,7 +1446,7 @@
           <a:p>
             <a:fld id="{E796F801-3BB8-A247-923B-F07F1B58D38A}" type="datetimeFigureOut">
               <a:rPr lang="en-US" smtClean="0"/>
-              <a:t>7/24/20</a:t>
+              <a:t>6/17/21</a:t>
             </a:fld>
             <a:endParaRPr lang="en-US"/>
           </a:p>
@@ -1564,7 +1564,7 @@
           <a:p>
             <a:fld id="{E796F801-3BB8-A247-923B-F07F1B58D38A}" type="datetimeFigureOut">
               <a:rPr lang="en-US" smtClean="0"/>
-              <a:t>7/24/20</a:t>
+              <a:t>6/17/21</a:t>
             </a:fld>
             <a:endParaRPr lang="en-US"/>
           </a:p>
@@ -1659,7 +1659,7 @@
           <a:p>
             <a:fld id="{E796F801-3BB8-A247-923B-F07F1B58D38A}" type="datetimeFigureOut">
               <a:rPr lang="en-US" smtClean="0"/>
-              <a:t>7/24/20</a:t>
+              <a:t>6/17/21</a:t>
             </a:fld>
             <a:endParaRPr lang="en-US"/>
           </a:p>
@@ -1936,7 +1936,7 @@
           <a:p>
             <a:fld id="{E796F801-3BB8-A247-923B-F07F1B58D38A}" type="datetimeFigureOut">
               <a:rPr lang="en-US" smtClean="0"/>
-              <a:t>7/24/20</a:t>
+              <a:t>6/17/21</a:t>
             </a:fld>
             <a:endParaRPr lang="en-US"/>
           </a:p>
@@ -2193,7 +2193,7 @@
           <a:p>
             <a:fld id="{E796F801-3BB8-A247-923B-F07F1B58D38A}" type="datetimeFigureOut">
               <a:rPr lang="en-US" smtClean="0"/>
-              <a:t>7/24/20</a:t>
+              <a:t>6/17/21</a:t>
             </a:fld>
             <a:endParaRPr lang="en-US"/>
           </a:p>
@@ -2406,7 +2406,7 @@
           <a:p>
             <a:fld id="{E796F801-3BB8-A247-923B-F07F1B58D38A}" type="datetimeFigureOut">
               <a:rPr lang="en-US" smtClean="0"/>
-              <a:t>7/24/20</a:t>
+              <a:t>6/17/21</a:t>
             </a:fld>
             <a:endParaRPr lang="en-US"/>
           </a:p>
@@ -4623,7 +4623,7 @@
         <p:spPr>
           <a:xfrm>
             <a:off x="583459" y="2648924"/>
-            <a:ext cx="630301" cy="461665"/>
+            <a:ext cx="853119" cy="461665"/>
           </a:xfrm>
           <a:prstGeom prst="rect">
             <a:avLst/>
@@ -4637,10 +4637,10 @@
           <a:lstStyle/>
           <a:p>
             <a:r>
-              <a:rPr lang="en-US" sz="2400">
+              <a:rPr lang="en-US" sz="2400" dirty="0">
                 <a:latin typeface="Swell Braille" pitchFamily="49"/>
               </a:rPr>
-              <a:t>⠠⠑</a:t>
+              <a:t>;⠠⠑</a:t>
             </a:r>
           </a:p>
         </p:txBody>
@@ -4660,7 +4660,7 @@
         <p:spPr>
           <a:xfrm>
             <a:off x="583459" y="3509984"/>
-            <a:ext cx="630301" cy="461665"/>
+            <a:ext cx="853119" cy="461665"/>
           </a:xfrm>
           <a:prstGeom prst="rect">
             <a:avLst/>
@@ -4674,10 +4674,10 @@
           <a:lstStyle/>
           <a:p>
             <a:r>
-              <a:rPr lang="en-US" sz="2400">
+              <a:rPr lang="en-US" sz="2400" dirty="0">
                 <a:latin typeface="Swell Braille" pitchFamily="49"/>
               </a:rPr>
-              <a:t>⠠⠃</a:t>
+              <a:t>;⠠⠃</a:t>
             </a:r>
           </a:p>
         </p:txBody>
@@ -4697,7 +4697,7 @@
         <p:spPr>
           <a:xfrm>
             <a:off x="583459" y="4348184"/>
-            <a:ext cx="630301" cy="461665"/>
+            <a:ext cx="853119" cy="461665"/>
           </a:xfrm>
           <a:prstGeom prst="rect">
             <a:avLst/>
@@ -4711,10 +4711,10 @@
           <a:lstStyle/>
           <a:p>
             <a:r>
-              <a:rPr lang="en-US" sz="2400">
+              <a:rPr lang="en-US" sz="2400" dirty="0">
                 <a:latin typeface="Swell Braille" pitchFamily="49"/>
               </a:rPr>
-              <a:t>⠠⠉</a:t>
+              <a:t>;⠠⠉</a:t>
             </a:r>
           </a:p>
         </p:txBody>
@@ -4936,12 +4936,15 @@
               <a:rPr lang="en-US" sz="2400">
                 <a:latin typeface="Swell Braille" pitchFamily="49"/>
               </a:rPr>
-              <a:t>⠺⠂⠞⠐⠓⠙</a:t>
-            </a:r>
-          </a:p>
-          <a:p>
-            <a:r>
-              <a:rPr lang="en-US" sz="2400">
+              <a:t>⠺⠂!r$</a:t>
+            </a:r>
+            <a:endParaRPr lang="en-US" sz="2400" dirty="0">
+              <a:latin typeface="Swell Braille" pitchFamily="49"/>
+            </a:endParaRPr>
+          </a:p>
+          <a:p>
+            <a:r>
+              <a:rPr lang="en-US" sz="2400" dirty="0">
                 <a:latin typeface="Swell Braille" pitchFamily="49"/>
               </a:rPr>
               <a:t>⠃⠫⠗⠕⠉⠅</a:t>
@@ -5257,7 +5260,7 @@
         </p:nvSpPr>
         <p:spPr>
           <a:xfrm>
-            <a:off x="4194810" y="6126480"/>
+            <a:off x="4151780" y="6126480"/>
             <a:ext cx="262890" cy="125730"/>
           </a:xfrm>
           <a:prstGeom prst="rect">
